--- a/docs/diagrams/UndoRedoSequenceDiagram.pptx
+++ b/docs/diagrams/UndoRedoSequenceDiagram.pptx
@@ -212,7 +212,7 @@
           <a:p>
             <a:fld id="{F5CC4B3F-88C1-4FFA-B1B6-F41C21DC6924}" type="datetimeFigureOut">
               <a:rPr lang="en-US" smtClean="0"/>
-              <a:t>7/6/2018</a:t>
+              <a:t>11/10/2018</a:t>
             </a:fld>
             <a:endParaRPr lang="en-US"/>
           </a:p>
@@ -658,7 +658,7 @@
           <a:p>
             <a:fld id="{78C97017-6FC3-485B-9764-EAC9E56C1D49}" type="datetimeFigureOut">
               <a:rPr lang="en-US" smtClean="0"/>
-              <a:t>7/6/2018</a:t>
+              <a:t>11/10/2018</a:t>
             </a:fld>
             <a:endParaRPr lang="en-US"/>
           </a:p>
@@ -826,7 +826,7 @@
           <a:p>
             <a:fld id="{78C97017-6FC3-485B-9764-EAC9E56C1D49}" type="datetimeFigureOut">
               <a:rPr lang="en-US" smtClean="0"/>
-              <a:t>7/6/2018</a:t>
+              <a:t>11/10/2018</a:t>
             </a:fld>
             <a:endParaRPr lang="en-US"/>
           </a:p>
@@ -1004,7 +1004,7 @@
           <a:p>
             <a:fld id="{78C97017-6FC3-485B-9764-EAC9E56C1D49}" type="datetimeFigureOut">
               <a:rPr lang="en-US" smtClean="0"/>
-              <a:t>7/6/2018</a:t>
+              <a:t>11/10/2018</a:t>
             </a:fld>
             <a:endParaRPr lang="en-US"/>
           </a:p>
@@ -1172,7 +1172,7 @@
           <a:p>
             <a:fld id="{78C97017-6FC3-485B-9764-EAC9E56C1D49}" type="datetimeFigureOut">
               <a:rPr lang="en-US" smtClean="0"/>
-              <a:t>7/6/2018</a:t>
+              <a:t>11/10/2018</a:t>
             </a:fld>
             <a:endParaRPr lang="en-US"/>
           </a:p>
@@ -1417,7 +1417,7 @@
           <a:p>
             <a:fld id="{78C97017-6FC3-485B-9764-EAC9E56C1D49}" type="datetimeFigureOut">
               <a:rPr lang="en-US" smtClean="0"/>
-              <a:t>7/6/2018</a:t>
+              <a:t>11/10/2018</a:t>
             </a:fld>
             <a:endParaRPr lang="en-US"/>
           </a:p>
@@ -1702,7 +1702,7 @@
           <a:p>
             <a:fld id="{78C97017-6FC3-485B-9764-EAC9E56C1D49}" type="datetimeFigureOut">
               <a:rPr lang="en-US" smtClean="0"/>
-              <a:t>7/6/2018</a:t>
+              <a:t>11/10/2018</a:t>
             </a:fld>
             <a:endParaRPr lang="en-US"/>
           </a:p>
@@ -2121,7 +2121,7 @@
           <a:p>
             <a:fld id="{78C97017-6FC3-485B-9764-EAC9E56C1D49}" type="datetimeFigureOut">
               <a:rPr lang="en-US" smtClean="0"/>
-              <a:t>7/6/2018</a:t>
+              <a:t>11/10/2018</a:t>
             </a:fld>
             <a:endParaRPr lang="en-US"/>
           </a:p>
@@ -2238,7 +2238,7 @@
           <a:p>
             <a:fld id="{78C97017-6FC3-485B-9764-EAC9E56C1D49}" type="datetimeFigureOut">
               <a:rPr lang="en-US" smtClean="0"/>
-              <a:t>7/6/2018</a:t>
+              <a:t>11/10/2018</a:t>
             </a:fld>
             <a:endParaRPr lang="en-US"/>
           </a:p>
@@ -2333,7 +2333,7 @@
           <a:p>
             <a:fld id="{78C97017-6FC3-485B-9764-EAC9E56C1D49}" type="datetimeFigureOut">
               <a:rPr lang="en-US" smtClean="0"/>
-              <a:t>7/6/2018</a:t>
+              <a:t>11/10/2018</a:t>
             </a:fld>
             <a:endParaRPr lang="en-US"/>
           </a:p>
@@ -2608,7 +2608,7 @@
           <a:p>
             <a:fld id="{78C97017-6FC3-485B-9764-EAC9E56C1D49}" type="datetimeFigureOut">
               <a:rPr lang="en-US" smtClean="0"/>
-              <a:t>7/6/2018</a:t>
+              <a:t>11/10/2018</a:t>
             </a:fld>
             <a:endParaRPr lang="en-US"/>
           </a:p>
@@ -2860,7 +2860,7 @@
           <a:p>
             <a:fld id="{78C97017-6FC3-485B-9764-EAC9E56C1D49}" type="datetimeFigureOut">
               <a:rPr lang="en-US" smtClean="0"/>
-              <a:t>7/6/2018</a:t>
+              <a:t>11/10/2018</a:t>
             </a:fld>
             <a:endParaRPr lang="en-US"/>
           </a:p>
@@ -3071,7 +3071,7 @@
           <a:p>
             <a:fld id="{78C97017-6FC3-485B-9764-EAC9E56C1D49}" type="datetimeFigureOut">
               <a:rPr lang="en-US" smtClean="0"/>
-              <a:t>7/6/2018</a:t>
+              <a:t>11/10/2018</a:t>
             </a:fld>
             <a:endParaRPr lang="en-US"/>
           </a:p>
@@ -3454,7 +3454,7 @@
         </p:nvSpPr>
         <p:spPr>
           <a:xfrm>
-            <a:off x="6459374" y="118895"/>
+            <a:off x="6160858" y="1009274"/>
             <a:ext cx="3903825" cy="4400926"/>
           </a:xfrm>
           <a:prstGeom prst="roundRect">
@@ -3515,7 +3515,7 @@
         </p:nvSpPr>
         <p:spPr>
           <a:xfrm>
-            <a:off x="467813" y="163018"/>
+            <a:off x="169297" y="1053397"/>
             <a:ext cx="5863964" cy="4343400"/>
           </a:xfrm>
           <a:prstGeom prst="roundRect">
@@ -3576,7 +3576,7 @@
         </p:nvSpPr>
         <p:spPr>
           <a:xfrm>
-            <a:off x="883145" y="543946"/>
+            <a:off x="584629" y="1434325"/>
             <a:ext cx="1455629" cy="346760"/>
           </a:xfrm>
           <a:prstGeom prst="rect">
@@ -3645,7 +3645,7 @@
         </p:nvCxnSpPr>
         <p:spPr>
           <a:xfrm>
-            <a:off x="1610959" y="907617"/>
+            <a:off x="1312443" y="1797996"/>
             <a:ext cx="0" cy="3481399"/>
           </a:xfrm>
           <a:prstGeom prst="line">
@@ -3682,7 +3682,7 @@
         </p:nvSpPr>
         <p:spPr>
           <a:xfrm>
-            <a:off x="1538951" y="1258311"/>
+            <a:off x="1240435" y="2148690"/>
             <a:ext cx="152400" cy="2932689"/>
           </a:xfrm>
           <a:prstGeom prst="rect">
@@ -3729,7 +3729,7 @@
         </p:nvSpPr>
         <p:spPr>
           <a:xfrm>
-            <a:off x="3437188" y="423022"/>
+            <a:off x="3138672" y="1313401"/>
             <a:ext cx="1219200" cy="467684"/>
           </a:xfrm>
           <a:prstGeom prst="rect">
@@ -3765,25 +3765,22 @@
           <a:p>
             <a:pPr algn="ctr"/>
             <a:r>
-              <a:rPr lang="en-US" sz="1600" dirty="0">
+              <a:rPr lang="en-US" sz="1550" dirty="0" smtClean="0">
                 <a:solidFill>
                   <a:schemeClr val="bg1"/>
                 </a:solidFill>
               </a:rPr>
-              <a:t>:Address</a:t>
-            </a:r>
-          </a:p>
-          <a:p>
-            <a:pPr algn="ctr"/>
-            <a:r>
-              <a:rPr lang="en-US" sz="1600" dirty="0" err="1">
+              <a:t>:</a:t>
+            </a:r>
+            <a:r>
+              <a:rPr lang="en-US" sz="1550" dirty="0" err="1" smtClean="0">
                 <a:solidFill>
                   <a:schemeClr val="bg1"/>
                 </a:solidFill>
               </a:rPr>
-              <a:t>BookParser</a:t>
-            </a:r>
-            <a:endParaRPr lang="en-SG" sz="1600" dirty="0">
+              <a:t>TutorHelperParser</a:t>
+            </a:r>
+            <a:endParaRPr lang="en-SG" sz="1550" dirty="0">
               <a:solidFill>
                 <a:schemeClr val="bg1"/>
               </a:solidFill>
@@ -3801,7 +3798,7 @@
         </p:nvCxnSpPr>
         <p:spPr>
           <a:xfrm>
-            <a:off x="4050587" y="907617"/>
+            <a:off x="3752071" y="1797996"/>
             <a:ext cx="0" cy="1482984"/>
           </a:xfrm>
           <a:prstGeom prst="line">
@@ -3838,7 +3835,7 @@
         </p:nvSpPr>
         <p:spPr>
           <a:xfrm>
-            <a:off x="3978580" y="1365810"/>
+            <a:off x="3680064" y="2256189"/>
             <a:ext cx="154408" cy="767790"/>
           </a:xfrm>
           <a:prstGeom prst="rect">
@@ -3893,7 +3890,7 @@
         </p:nvCxnSpPr>
         <p:spPr>
           <a:xfrm>
-            <a:off x="5602082" y="1613633"/>
+            <a:off x="5303566" y="2504012"/>
             <a:ext cx="0" cy="2644578"/>
           </a:xfrm>
           <a:prstGeom prst="line">
@@ -3930,7 +3927,7 @@
         </p:nvSpPr>
         <p:spPr>
           <a:xfrm>
-            <a:off x="5525882" y="1613633"/>
+            <a:off x="5227366" y="2504012"/>
             <a:ext cx="152400" cy="276003"/>
           </a:xfrm>
           <a:prstGeom prst="rect">
@@ -3977,7 +3974,7 @@
         </p:nvCxnSpPr>
         <p:spPr>
           <a:xfrm>
-            <a:off x="419100" y="1261999"/>
+            <a:off x="120584" y="2152378"/>
             <a:ext cx="1119851" cy="0"/>
           </a:xfrm>
           <a:prstGeom prst="straightConnector1">
@@ -4013,7 +4010,7 @@
         </p:nvSpPr>
         <p:spPr>
           <a:xfrm>
-            <a:off x="38100" y="990600"/>
+            <a:off x="-260416" y="1880979"/>
             <a:ext cx="1424846" cy="215444"/>
           </a:xfrm>
           <a:prstGeom prst="rect">
@@ -4047,7 +4044,7 @@
         </p:nvCxnSpPr>
         <p:spPr>
           <a:xfrm flipV="1">
-            <a:off x="4135972" y="1512340"/>
+            <a:off x="3837456" y="2402719"/>
             <a:ext cx="922392" cy="1"/>
           </a:xfrm>
           <a:prstGeom prst="straightConnector1">
@@ -4083,7 +4080,7 @@
         </p:nvSpPr>
         <p:spPr>
           <a:xfrm>
-            <a:off x="3243421" y="2484071"/>
+            <a:off x="2944905" y="3374450"/>
             <a:ext cx="855809" cy="215444"/>
           </a:xfrm>
           <a:prstGeom prst="rect">
@@ -4123,7 +4120,7 @@
         </p:nvCxnSpPr>
         <p:spPr>
           <a:xfrm>
-            <a:off x="4109108" y="1878232"/>
+            <a:off x="3810592" y="2768611"/>
             <a:ext cx="1492974" cy="0"/>
           </a:xfrm>
           <a:prstGeom prst="straightConnector1">
@@ -4163,7 +4160,7 @@
         </p:nvCxnSpPr>
         <p:spPr>
           <a:xfrm>
-            <a:off x="1691351" y="2133600"/>
+            <a:off x="1392835" y="3023979"/>
             <a:ext cx="2348067" cy="0"/>
           </a:xfrm>
           <a:prstGeom prst="straightConnector1">
@@ -4201,7 +4198,7 @@
         </p:nvCxnSpPr>
         <p:spPr>
           <a:xfrm>
-            <a:off x="380999" y="4191000"/>
+            <a:off x="82483" y="5081379"/>
             <a:ext cx="1196051" cy="0"/>
           </a:xfrm>
           <a:prstGeom prst="straightConnector1">
@@ -4239,7 +4236,7 @@
         </p:nvSpPr>
         <p:spPr>
           <a:xfrm>
-            <a:off x="5526488" y="2731313"/>
+            <a:off x="5227972" y="3621692"/>
             <a:ext cx="161322" cy="1307285"/>
           </a:xfrm>
           <a:prstGeom prst="rect">
@@ -4286,7 +4283,7 @@
         </p:nvSpPr>
         <p:spPr>
           <a:xfrm>
-            <a:off x="5651548" y="2748246"/>
+            <a:off x="5353032" y="3638625"/>
             <a:ext cx="1298078" cy="184666"/>
           </a:xfrm>
           <a:prstGeom prst="rect">
@@ -4312,25 +4309,17 @@
           </a:lstStyle>
           <a:p>
             <a:r>
-              <a:rPr lang="en-US" sz="1200" dirty="0" err="1">
+              <a:rPr lang="en-US" sz="1200" dirty="0" err="1" smtClean="0">
                 <a:solidFill>
                   <a:schemeClr val="accent4">
                     <a:lumMod val="75000"/>
                   </a:schemeClr>
                 </a:solidFill>
               </a:rPr>
-              <a:t>undo</a:t>
-            </a:r>
-            <a:r>
-              <a:rPr lang="en-US" sz="1200" dirty="0" err="1">
-                <a:solidFill>
-                  <a:srgbClr val="7030A0"/>
-                </a:solidFill>
-              </a:rPr>
-              <a:t>AddressBook</a:t>
-            </a:r>
-            <a:r>
-              <a:rPr lang="en-US" sz="1200" dirty="0">
+              <a:t>undoTutorHelper</a:t>
+            </a:r>
+            <a:r>
+              <a:rPr lang="en-US" sz="1200" dirty="0" smtClean="0">
                 <a:solidFill>
                   <a:srgbClr val="7030A0"/>
                 </a:solidFill>
@@ -4349,7 +4338,7 @@
         </p:nvSpPr>
         <p:spPr>
           <a:xfrm>
-            <a:off x="1885189" y="1106150"/>
+            <a:off x="1586673" y="1996529"/>
             <a:ext cx="1899551" cy="215444"/>
           </a:xfrm>
           <a:prstGeom prst="rect">
@@ -4393,7 +4382,7 @@
         </p:nvSpPr>
         <p:spPr>
           <a:xfrm>
-            <a:off x="3272755" y="3791076"/>
+            <a:off x="2974239" y="4681455"/>
             <a:ext cx="621216" cy="215444"/>
           </a:xfrm>
           <a:prstGeom prst="rect">
@@ -4433,7 +4422,7 @@
         </p:nvSpPr>
         <p:spPr>
           <a:xfrm>
-            <a:off x="645270" y="3945901"/>
+            <a:off x="346754" y="4836280"/>
             <a:ext cx="762000" cy="215444"/>
           </a:xfrm>
           <a:prstGeom prst="rect">
@@ -4473,7 +4462,7 @@
         </p:nvSpPr>
         <p:spPr>
           <a:xfrm>
-            <a:off x="7497155" y="2568606"/>
+            <a:off x="7198639" y="3458985"/>
             <a:ext cx="2181777" cy="335427"/>
           </a:xfrm>
           <a:prstGeom prst="rect">
@@ -4517,12 +4506,12 @@
               <a:t>:</a:t>
             </a:r>
             <a:r>
-              <a:rPr lang="en-US" sz="1600" dirty="0" err="1">
+              <a:rPr lang="en-US" sz="1600" dirty="0" err="1" smtClean="0">
                 <a:solidFill>
                   <a:schemeClr val="bg1"/>
                 </a:solidFill>
               </a:rPr>
-              <a:t>VersionedAddressBook</a:t>
+              <a:t>VersionedTutorHelper</a:t>
             </a:r>
             <a:endParaRPr lang="en-SG" sz="1600" dirty="0">
               <a:solidFill>
@@ -4540,7 +4529,7 @@
         </p:nvSpPr>
         <p:spPr>
           <a:xfrm>
-            <a:off x="8514207" y="3182840"/>
+            <a:off x="8215691" y="4073219"/>
             <a:ext cx="129933" cy="398562"/>
           </a:xfrm>
           <a:prstGeom prst="rect">
@@ -4587,7 +4576,7 @@
         </p:nvSpPr>
         <p:spPr>
           <a:xfrm>
-            <a:off x="2724792" y="1905793"/>
+            <a:off x="2426276" y="2796172"/>
             <a:ext cx="220343" cy="215444"/>
           </a:xfrm>
           <a:prstGeom prst="rect">
@@ -4627,7 +4616,7 @@
         </p:nvSpPr>
         <p:spPr>
           <a:xfrm>
-            <a:off x="6549765" y="2362200"/>
+            <a:off x="6251249" y="3252579"/>
             <a:ext cx="841636" cy="300180"/>
           </a:xfrm>
           <a:prstGeom prst="rect">
@@ -4688,7 +4677,7 @@
         </p:nvCxnSpPr>
         <p:spPr>
           <a:xfrm flipH="1">
-            <a:off x="6986491" y="2653306"/>
+            <a:off x="6687975" y="3543685"/>
             <a:ext cx="3959" cy="1735710"/>
           </a:xfrm>
           <a:prstGeom prst="line">
@@ -4725,7 +4714,7 @@
         </p:nvSpPr>
         <p:spPr>
           <a:xfrm>
-            <a:off x="6887527" y="2958106"/>
+            <a:off x="6589011" y="3848485"/>
             <a:ext cx="168896" cy="775693"/>
           </a:xfrm>
           <a:prstGeom prst="rect">
@@ -4774,7 +4763,7 @@
         </p:nvCxnSpPr>
         <p:spPr>
           <a:xfrm>
-            <a:off x="5685755" y="2975344"/>
+            <a:off x="5387239" y="3865723"/>
             <a:ext cx="1210345" cy="0"/>
           </a:xfrm>
           <a:prstGeom prst="straightConnector1">
@@ -4810,7 +4799,7 @@
         </p:nvSpPr>
         <p:spPr>
           <a:xfrm>
-            <a:off x="5472880" y="4258211"/>
+            <a:off x="5174364" y="5148590"/>
             <a:ext cx="258404" cy="261610"/>
           </a:xfrm>
           <a:prstGeom prst="rect">
@@ -4843,7 +4832,7 @@
         </p:nvSpPr>
         <p:spPr>
           <a:xfrm>
-            <a:off x="5035976" y="1260268"/>
+            <a:off x="4737460" y="2150647"/>
             <a:ext cx="1093635" cy="461538"/>
           </a:xfrm>
           <a:prstGeom prst="rect">
@@ -4914,7 +4903,7 @@
           <p:cNvPr id="66" name="Straight Arrow Connector 65">
             <a:extLst>
               <a:ext uri="{FF2B5EF4-FFF2-40B4-BE49-F238E27FC236}">
-                <a16:creationId xmlns:a16="http://schemas.microsoft.com/office/drawing/2014/main" id="{39916E2E-195A-4DC8-B025-B05FA87E6796}"/>
+                <a16:creationId xmlns:a16="http://schemas.microsoft.com/office/drawing/2014/main" xmlns="" id="{39916E2E-195A-4DC8-B025-B05FA87E6796}"/>
               </a:ext>
             </a:extLst>
           </p:cNvPr>
@@ -4925,7 +4914,7 @@
         </p:nvCxnSpPr>
         <p:spPr>
           <a:xfrm>
-            <a:off x="1691351" y="2731314"/>
+            <a:off x="1392835" y="3621693"/>
             <a:ext cx="3832164" cy="1"/>
           </a:xfrm>
           <a:prstGeom prst="straightConnector1">
@@ -4958,7 +4947,7 @@
           <p:cNvPr id="67" name="Straight Arrow Connector 66">
             <a:extLst>
               <a:ext uri="{FF2B5EF4-FFF2-40B4-BE49-F238E27FC236}">
-                <a16:creationId xmlns:a16="http://schemas.microsoft.com/office/drawing/2014/main" id="{D881596E-177C-4FDC-8E60-CAB90B3D5FAB}"/>
+                <a16:creationId xmlns:a16="http://schemas.microsoft.com/office/drawing/2014/main" xmlns="" id="{D881596E-177C-4FDC-8E60-CAB90B3D5FAB}"/>
               </a:ext>
             </a:extLst>
           </p:cNvPr>
@@ -4969,7 +4958,7 @@
         </p:nvCxnSpPr>
         <p:spPr>
           <a:xfrm>
-            <a:off x="1708245" y="1363918"/>
+            <a:off x="1409729" y="2254297"/>
             <a:ext cx="2256705" cy="1"/>
           </a:xfrm>
           <a:prstGeom prst="straightConnector1">
@@ -5002,7 +4991,7 @@
           <p:cNvPr id="69" name="Straight Arrow Connector 68">
             <a:extLst>
               <a:ext uri="{FF2B5EF4-FFF2-40B4-BE49-F238E27FC236}">
-                <a16:creationId xmlns:a16="http://schemas.microsoft.com/office/drawing/2014/main" id="{7C9F21BC-13A9-471F-825A-2621FD36355F}"/>
+                <a16:creationId xmlns:a16="http://schemas.microsoft.com/office/drawing/2014/main" xmlns="" id="{7C9F21BC-13A9-471F-825A-2621FD36355F}"/>
               </a:ext>
             </a:extLst>
           </p:cNvPr>
@@ -5013,7 +5002,7 @@
         </p:nvCxnSpPr>
         <p:spPr>
           <a:xfrm>
-            <a:off x="1691998" y="4036462"/>
+            <a:off x="1393482" y="4926841"/>
             <a:ext cx="3831517" cy="0"/>
           </a:xfrm>
           <a:prstGeom prst="straightConnector1">
@@ -5048,7 +5037,7 @@
           <p:cNvPr id="88" name="TextBox 87">
             <a:extLst>
               <a:ext uri="{FF2B5EF4-FFF2-40B4-BE49-F238E27FC236}">
-                <a16:creationId xmlns:a16="http://schemas.microsoft.com/office/drawing/2014/main" id="{B85C6184-7378-4E89-A338-72B1E5056F4F}"/>
+                <a16:creationId xmlns:a16="http://schemas.microsoft.com/office/drawing/2014/main" xmlns="" id="{B85C6184-7378-4E89-A338-72B1E5056F4F}"/>
               </a:ext>
             </a:extLst>
           </p:cNvPr>
@@ -5057,7 +5046,7 @@
         </p:nvSpPr>
         <p:spPr>
           <a:xfrm>
-            <a:off x="8769530" y="3267337"/>
+            <a:off x="8471014" y="4157716"/>
             <a:ext cx="2120786" cy="184666"/>
           </a:xfrm>
           <a:prstGeom prst="rect">
@@ -5083,7 +5072,7 @@
           </a:lstStyle>
           <a:p>
             <a:r>
-              <a:rPr lang="en-US" sz="1200" dirty="0" err="1">
+              <a:rPr lang="en-US" sz="1200" dirty="0" err="1" smtClean="0">
                 <a:solidFill>
                   <a:srgbClr val="7030A0"/>
                 </a:solidFill>
@@ -5091,7 +5080,7 @@
               <a:t>resetData</a:t>
             </a:r>
             <a:r>
-              <a:rPr lang="en-US" sz="1200" dirty="0">
+              <a:rPr lang="en-US" sz="1200" dirty="0" smtClean="0">
                 <a:solidFill>
                   <a:srgbClr val="7030A0"/>
                 </a:solidFill>
@@ -5099,15 +5088,15 @@
               <a:t>(</a:t>
             </a:r>
             <a:r>
-              <a:rPr lang="en-US" sz="1200" dirty="0" err="1">
+              <a:rPr lang="en-US" sz="1200" dirty="0" err="1" smtClean="0">
                 <a:solidFill>
                   <a:srgbClr val="7030A0"/>
                 </a:solidFill>
               </a:rPr>
-              <a:t>ReadOnlyAddressBook</a:t>
-            </a:r>
-            <a:r>
-              <a:rPr lang="en-US" sz="1200" dirty="0">
+              <a:t>ReadOnlyTutorHelper</a:t>
+            </a:r>
+            <a:r>
+              <a:rPr lang="en-US" sz="1200" dirty="0" smtClean="0">
                 <a:solidFill>
                   <a:srgbClr val="7030A0"/>
                 </a:solidFill>
@@ -5123,7 +5112,7 @@
           <p:cNvPr id="89" name="Straight Connector 88">
             <a:extLst>
               <a:ext uri="{FF2B5EF4-FFF2-40B4-BE49-F238E27FC236}">
-                <a16:creationId xmlns:a16="http://schemas.microsoft.com/office/drawing/2014/main" id="{E4E1C8CA-49DF-45D8-80A5-D5C8282EE927}"/>
+                <a16:creationId xmlns:a16="http://schemas.microsoft.com/office/drawing/2014/main" xmlns="" id="{E4E1C8CA-49DF-45D8-80A5-D5C8282EE927}"/>
               </a:ext>
             </a:extLst>
           </p:cNvPr>
@@ -5134,7 +5123,7 @@
         </p:nvCxnSpPr>
         <p:spPr>
           <a:xfrm>
-            <a:off x="8588043" y="2871355"/>
+            <a:off x="8289527" y="3761734"/>
             <a:ext cx="17996" cy="1467648"/>
           </a:xfrm>
           <a:prstGeom prst="line">
@@ -5171,7 +5160,7 @@
         </p:nvSpPr>
         <p:spPr>
           <a:xfrm>
-            <a:off x="7667691" y="2975344"/>
+            <a:off x="7369175" y="3865723"/>
             <a:ext cx="551687" cy="184666"/>
           </a:xfrm>
           <a:prstGeom prst="rect">
@@ -5228,7 +5217,7 @@
         </p:nvCxnSpPr>
         <p:spPr>
           <a:xfrm rot="16200000" flipH="1">
-            <a:off x="8527578" y="3220579"/>
+            <a:off x="8229062" y="4110958"/>
             <a:ext cx="156923" cy="76200"/>
           </a:xfrm>
           <a:prstGeom prst="curvedConnector4">
@@ -5269,7 +5258,7 @@
         </p:nvCxnSpPr>
         <p:spPr>
           <a:xfrm>
-            <a:off x="7043991" y="3182839"/>
+            <a:off x="6745475" y="4073218"/>
             <a:ext cx="1470216" cy="0"/>
           </a:xfrm>
           <a:prstGeom prst="straightConnector1">
@@ -5302,7 +5291,7 @@
           <p:cNvPr id="60" name="Straight Arrow Connector 59">
             <a:extLst>
               <a:ext uri="{FF2B5EF4-FFF2-40B4-BE49-F238E27FC236}">
-                <a16:creationId xmlns:a16="http://schemas.microsoft.com/office/drawing/2014/main" id="{7C9F21BC-13A9-471F-825A-2621FD36355F}"/>
+                <a16:creationId xmlns:a16="http://schemas.microsoft.com/office/drawing/2014/main" xmlns="" id="{7C9F21BC-13A9-471F-825A-2621FD36355F}"/>
               </a:ext>
             </a:extLst>
           </p:cNvPr>
@@ -5313,7 +5302,7 @@
         </p:nvCxnSpPr>
         <p:spPr>
           <a:xfrm flipV="1">
-            <a:off x="7043991" y="3564914"/>
+            <a:off x="6745475" y="4455293"/>
             <a:ext cx="1470216" cy="6325"/>
           </a:xfrm>
           <a:prstGeom prst="straightConnector1">
@@ -5348,7 +5337,7 @@
           <p:cNvPr id="63" name="Straight Arrow Connector 62">
             <a:extLst>
               <a:ext uri="{FF2B5EF4-FFF2-40B4-BE49-F238E27FC236}">
-                <a16:creationId xmlns:a16="http://schemas.microsoft.com/office/drawing/2014/main" id="{7C9F21BC-13A9-471F-825A-2621FD36355F}"/>
+                <a16:creationId xmlns:a16="http://schemas.microsoft.com/office/drawing/2014/main" xmlns="" id="{7C9F21BC-13A9-471F-825A-2621FD36355F}"/>
               </a:ext>
             </a:extLst>
           </p:cNvPr>
@@ -5360,7 +5349,7 @@
         </p:nvCxnSpPr>
         <p:spPr>
           <a:xfrm>
-            <a:off x="5675919" y="3733799"/>
+            <a:off x="5377403" y="4624178"/>
             <a:ext cx="1296056" cy="0"/>
           </a:xfrm>
           <a:prstGeom prst="straightConnector1">

--- a/docs/diagrams/UndoRedoSequenceDiagram.pptx
+++ b/docs/diagrams/UndoRedoSequenceDiagram.pptx
@@ -212,7 +212,7 @@
           <a:p>
             <a:fld id="{F5CC4B3F-88C1-4FFA-B1B6-F41C21DC6924}" type="datetimeFigureOut">
               <a:rPr lang="en-US" smtClean="0"/>
-              <a:t>11/10/2018</a:t>
+              <a:t>7/6/2018</a:t>
             </a:fld>
             <a:endParaRPr lang="en-US"/>
           </a:p>
@@ -658,7 +658,7 @@
           <a:p>
             <a:fld id="{78C97017-6FC3-485B-9764-EAC9E56C1D49}" type="datetimeFigureOut">
               <a:rPr lang="en-US" smtClean="0"/>
-              <a:t>11/10/2018</a:t>
+              <a:t>7/6/2018</a:t>
             </a:fld>
             <a:endParaRPr lang="en-US"/>
           </a:p>
@@ -826,7 +826,7 @@
           <a:p>
             <a:fld id="{78C97017-6FC3-485B-9764-EAC9E56C1D49}" type="datetimeFigureOut">
               <a:rPr lang="en-US" smtClean="0"/>
-              <a:t>11/10/2018</a:t>
+              <a:t>7/6/2018</a:t>
             </a:fld>
             <a:endParaRPr lang="en-US"/>
           </a:p>
@@ -1004,7 +1004,7 @@
           <a:p>
             <a:fld id="{78C97017-6FC3-485B-9764-EAC9E56C1D49}" type="datetimeFigureOut">
               <a:rPr lang="en-US" smtClean="0"/>
-              <a:t>11/10/2018</a:t>
+              <a:t>7/6/2018</a:t>
             </a:fld>
             <a:endParaRPr lang="en-US"/>
           </a:p>
@@ -1172,7 +1172,7 @@
           <a:p>
             <a:fld id="{78C97017-6FC3-485B-9764-EAC9E56C1D49}" type="datetimeFigureOut">
               <a:rPr lang="en-US" smtClean="0"/>
-              <a:t>11/10/2018</a:t>
+              <a:t>7/6/2018</a:t>
             </a:fld>
             <a:endParaRPr lang="en-US"/>
           </a:p>
@@ -1417,7 +1417,7 @@
           <a:p>
             <a:fld id="{78C97017-6FC3-485B-9764-EAC9E56C1D49}" type="datetimeFigureOut">
               <a:rPr lang="en-US" smtClean="0"/>
-              <a:t>11/10/2018</a:t>
+              <a:t>7/6/2018</a:t>
             </a:fld>
             <a:endParaRPr lang="en-US"/>
           </a:p>
@@ -1702,7 +1702,7 @@
           <a:p>
             <a:fld id="{78C97017-6FC3-485B-9764-EAC9E56C1D49}" type="datetimeFigureOut">
               <a:rPr lang="en-US" smtClean="0"/>
-              <a:t>11/10/2018</a:t>
+              <a:t>7/6/2018</a:t>
             </a:fld>
             <a:endParaRPr lang="en-US"/>
           </a:p>
@@ -2121,7 +2121,7 @@
           <a:p>
             <a:fld id="{78C97017-6FC3-485B-9764-EAC9E56C1D49}" type="datetimeFigureOut">
               <a:rPr lang="en-US" smtClean="0"/>
-              <a:t>11/10/2018</a:t>
+              <a:t>7/6/2018</a:t>
             </a:fld>
             <a:endParaRPr lang="en-US"/>
           </a:p>
@@ -2238,7 +2238,7 @@
           <a:p>
             <a:fld id="{78C97017-6FC3-485B-9764-EAC9E56C1D49}" type="datetimeFigureOut">
               <a:rPr lang="en-US" smtClean="0"/>
-              <a:t>11/10/2018</a:t>
+              <a:t>7/6/2018</a:t>
             </a:fld>
             <a:endParaRPr lang="en-US"/>
           </a:p>
@@ -2333,7 +2333,7 @@
           <a:p>
             <a:fld id="{78C97017-6FC3-485B-9764-EAC9E56C1D49}" type="datetimeFigureOut">
               <a:rPr lang="en-US" smtClean="0"/>
-              <a:t>11/10/2018</a:t>
+              <a:t>7/6/2018</a:t>
             </a:fld>
             <a:endParaRPr lang="en-US"/>
           </a:p>
@@ -2608,7 +2608,7 @@
           <a:p>
             <a:fld id="{78C97017-6FC3-485B-9764-EAC9E56C1D49}" type="datetimeFigureOut">
               <a:rPr lang="en-US" smtClean="0"/>
-              <a:t>11/10/2018</a:t>
+              <a:t>7/6/2018</a:t>
             </a:fld>
             <a:endParaRPr lang="en-US"/>
           </a:p>
@@ -2860,7 +2860,7 @@
           <a:p>
             <a:fld id="{78C97017-6FC3-485B-9764-EAC9E56C1D49}" type="datetimeFigureOut">
               <a:rPr lang="en-US" smtClean="0"/>
-              <a:t>11/10/2018</a:t>
+              <a:t>7/6/2018</a:t>
             </a:fld>
             <a:endParaRPr lang="en-US"/>
           </a:p>
@@ -3071,7 +3071,7 @@
           <a:p>
             <a:fld id="{78C97017-6FC3-485B-9764-EAC9E56C1D49}" type="datetimeFigureOut">
               <a:rPr lang="en-US" smtClean="0"/>
-              <a:t>11/10/2018</a:t>
+              <a:t>7/6/2018</a:t>
             </a:fld>
             <a:endParaRPr lang="en-US"/>
           </a:p>
@@ -3454,7 +3454,7 @@
         </p:nvSpPr>
         <p:spPr>
           <a:xfrm>
-            <a:off x="6160858" y="1009274"/>
+            <a:off x="6459374" y="118895"/>
             <a:ext cx="3903825" cy="4400926"/>
           </a:xfrm>
           <a:prstGeom prst="roundRect">
@@ -3515,7 +3515,7 @@
         </p:nvSpPr>
         <p:spPr>
           <a:xfrm>
-            <a:off x="169297" y="1053397"/>
+            <a:off x="467813" y="163018"/>
             <a:ext cx="5863964" cy="4343400"/>
           </a:xfrm>
           <a:prstGeom prst="roundRect">
@@ -3576,7 +3576,7 @@
         </p:nvSpPr>
         <p:spPr>
           <a:xfrm>
-            <a:off x="584629" y="1434325"/>
+            <a:off x="883145" y="543946"/>
             <a:ext cx="1455629" cy="346760"/>
           </a:xfrm>
           <a:prstGeom prst="rect">
@@ -3645,7 +3645,7 @@
         </p:nvCxnSpPr>
         <p:spPr>
           <a:xfrm>
-            <a:off x="1312443" y="1797996"/>
+            <a:off x="1610959" y="907617"/>
             <a:ext cx="0" cy="3481399"/>
           </a:xfrm>
           <a:prstGeom prst="line">
@@ -3682,7 +3682,7 @@
         </p:nvSpPr>
         <p:spPr>
           <a:xfrm>
-            <a:off x="1240435" y="2148690"/>
+            <a:off x="1538951" y="1258311"/>
             <a:ext cx="152400" cy="2932689"/>
           </a:xfrm>
           <a:prstGeom prst="rect">
@@ -3729,7 +3729,7 @@
         </p:nvSpPr>
         <p:spPr>
           <a:xfrm>
-            <a:off x="3138672" y="1313401"/>
+            <a:off x="3437188" y="423022"/>
             <a:ext cx="1219200" cy="467684"/>
           </a:xfrm>
           <a:prstGeom prst="rect">
@@ -3765,22 +3765,25 @@
           <a:p>
             <a:pPr algn="ctr"/>
             <a:r>
-              <a:rPr lang="en-US" sz="1550" dirty="0" smtClean="0">
+              <a:rPr lang="en-US" sz="1600" dirty="0">
                 <a:solidFill>
                   <a:schemeClr val="bg1"/>
                 </a:solidFill>
               </a:rPr>
-              <a:t>:</a:t>
-            </a:r>
-            <a:r>
-              <a:rPr lang="en-US" sz="1550" dirty="0" err="1" smtClean="0">
+              <a:t>:Address</a:t>
+            </a:r>
+          </a:p>
+          <a:p>
+            <a:pPr algn="ctr"/>
+            <a:r>
+              <a:rPr lang="en-US" sz="1600" dirty="0" err="1">
                 <a:solidFill>
                   <a:schemeClr val="bg1"/>
                 </a:solidFill>
               </a:rPr>
-              <a:t>TutorHelperParser</a:t>
-            </a:r>
-            <a:endParaRPr lang="en-SG" sz="1550" dirty="0">
+              <a:t>BookParser</a:t>
+            </a:r>
+            <a:endParaRPr lang="en-SG" sz="1600" dirty="0">
               <a:solidFill>
                 <a:schemeClr val="bg1"/>
               </a:solidFill>
@@ -3798,7 +3801,7 @@
         </p:nvCxnSpPr>
         <p:spPr>
           <a:xfrm>
-            <a:off x="3752071" y="1797996"/>
+            <a:off x="4050587" y="907617"/>
             <a:ext cx="0" cy="1482984"/>
           </a:xfrm>
           <a:prstGeom prst="line">
@@ -3835,7 +3838,7 @@
         </p:nvSpPr>
         <p:spPr>
           <a:xfrm>
-            <a:off x="3680064" y="2256189"/>
+            <a:off x="3978580" y="1365810"/>
             <a:ext cx="154408" cy="767790"/>
           </a:xfrm>
           <a:prstGeom prst="rect">
@@ -3890,7 +3893,7 @@
         </p:nvCxnSpPr>
         <p:spPr>
           <a:xfrm>
-            <a:off x="5303566" y="2504012"/>
+            <a:off x="5602082" y="1613633"/>
             <a:ext cx="0" cy="2644578"/>
           </a:xfrm>
           <a:prstGeom prst="line">
@@ -3927,7 +3930,7 @@
         </p:nvSpPr>
         <p:spPr>
           <a:xfrm>
-            <a:off x="5227366" y="2504012"/>
+            <a:off x="5525882" y="1613633"/>
             <a:ext cx="152400" cy="276003"/>
           </a:xfrm>
           <a:prstGeom prst="rect">
@@ -3974,7 +3977,7 @@
         </p:nvCxnSpPr>
         <p:spPr>
           <a:xfrm>
-            <a:off x="120584" y="2152378"/>
+            <a:off x="419100" y="1261999"/>
             <a:ext cx="1119851" cy="0"/>
           </a:xfrm>
           <a:prstGeom prst="straightConnector1">
@@ -4010,7 +4013,7 @@
         </p:nvSpPr>
         <p:spPr>
           <a:xfrm>
-            <a:off x="-260416" y="1880979"/>
+            <a:off x="38100" y="990600"/>
             <a:ext cx="1424846" cy="215444"/>
           </a:xfrm>
           <a:prstGeom prst="rect">
@@ -4044,7 +4047,7 @@
         </p:nvCxnSpPr>
         <p:spPr>
           <a:xfrm flipV="1">
-            <a:off x="3837456" y="2402719"/>
+            <a:off x="4135972" y="1512340"/>
             <a:ext cx="922392" cy="1"/>
           </a:xfrm>
           <a:prstGeom prst="straightConnector1">
@@ -4080,7 +4083,7 @@
         </p:nvSpPr>
         <p:spPr>
           <a:xfrm>
-            <a:off x="2944905" y="3374450"/>
+            <a:off x="3243421" y="2484071"/>
             <a:ext cx="855809" cy="215444"/>
           </a:xfrm>
           <a:prstGeom prst="rect">
@@ -4120,7 +4123,7 @@
         </p:nvCxnSpPr>
         <p:spPr>
           <a:xfrm>
-            <a:off x="3810592" y="2768611"/>
+            <a:off x="4109108" y="1878232"/>
             <a:ext cx="1492974" cy="0"/>
           </a:xfrm>
           <a:prstGeom prst="straightConnector1">
@@ -4160,7 +4163,7 @@
         </p:nvCxnSpPr>
         <p:spPr>
           <a:xfrm>
-            <a:off x="1392835" y="3023979"/>
+            <a:off x="1691351" y="2133600"/>
             <a:ext cx="2348067" cy="0"/>
           </a:xfrm>
           <a:prstGeom prst="straightConnector1">
@@ -4198,7 +4201,7 @@
         </p:nvCxnSpPr>
         <p:spPr>
           <a:xfrm>
-            <a:off x="82483" y="5081379"/>
+            <a:off x="380999" y="4191000"/>
             <a:ext cx="1196051" cy="0"/>
           </a:xfrm>
           <a:prstGeom prst="straightConnector1">
@@ -4236,7 +4239,7 @@
         </p:nvSpPr>
         <p:spPr>
           <a:xfrm>
-            <a:off x="5227972" y="3621692"/>
+            <a:off x="5526488" y="2731313"/>
             <a:ext cx="161322" cy="1307285"/>
           </a:xfrm>
           <a:prstGeom prst="rect">
@@ -4283,7 +4286,7 @@
         </p:nvSpPr>
         <p:spPr>
           <a:xfrm>
-            <a:off x="5353032" y="3638625"/>
+            <a:off x="5651548" y="2748246"/>
             <a:ext cx="1298078" cy="184666"/>
           </a:xfrm>
           <a:prstGeom prst="rect">
@@ -4309,17 +4312,25 @@
           </a:lstStyle>
           <a:p>
             <a:r>
-              <a:rPr lang="en-US" sz="1200" dirty="0" err="1" smtClean="0">
+              <a:rPr lang="en-US" sz="1200" dirty="0" err="1">
                 <a:solidFill>
                   <a:schemeClr val="accent4">
                     <a:lumMod val="75000"/>
                   </a:schemeClr>
                 </a:solidFill>
               </a:rPr>
-              <a:t>undoTutorHelper</a:t>
-            </a:r>
-            <a:r>
-              <a:rPr lang="en-US" sz="1200" dirty="0" smtClean="0">
+              <a:t>undo</a:t>
+            </a:r>
+            <a:r>
+              <a:rPr lang="en-US" sz="1200" dirty="0" err="1">
+                <a:solidFill>
+                  <a:srgbClr val="7030A0"/>
+                </a:solidFill>
+              </a:rPr>
+              <a:t>AddressBook</a:t>
+            </a:r>
+            <a:r>
+              <a:rPr lang="en-US" sz="1200" dirty="0">
                 <a:solidFill>
                   <a:srgbClr val="7030A0"/>
                 </a:solidFill>
@@ -4338,7 +4349,7 @@
         </p:nvSpPr>
         <p:spPr>
           <a:xfrm>
-            <a:off x="1586673" y="1996529"/>
+            <a:off x="1885189" y="1106150"/>
             <a:ext cx="1899551" cy="215444"/>
           </a:xfrm>
           <a:prstGeom prst="rect">
@@ -4382,7 +4393,7 @@
         </p:nvSpPr>
         <p:spPr>
           <a:xfrm>
-            <a:off x="2974239" y="4681455"/>
+            <a:off x="3272755" y="3791076"/>
             <a:ext cx="621216" cy="215444"/>
           </a:xfrm>
           <a:prstGeom prst="rect">
@@ -4422,7 +4433,7 @@
         </p:nvSpPr>
         <p:spPr>
           <a:xfrm>
-            <a:off x="346754" y="4836280"/>
+            <a:off x="645270" y="3945901"/>
             <a:ext cx="762000" cy="215444"/>
           </a:xfrm>
           <a:prstGeom prst="rect">
@@ -4462,7 +4473,7 @@
         </p:nvSpPr>
         <p:spPr>
           <a:xfrm>
-            <a:off x="7198639" y="3458985"/>
+            <a:off x="7497155" y="2568606"/>
             <a:ext cx="2181777" cy="335427"/>
           </a:xfrm>
           <a:prstGeom prst="rect">
@@ -4506,12 +4517,12 @@
               <a:t>:</a:t>
             </a:r>
             <a:r>
-              <a:rPr lang="en-US" sz="1600" dirty="0" err="1" smtClean="0">
+              <a:rPr lang="en-US" sz="1600" dirty="0" err="1">
                 <a:solidFill>
                   <a:schemeClr val="bg1"/>
                 </a:solidFill>
               </a:rPr>
-              <a:t>VersionedTutorHelper</a:t>
+              <a:t>VersionedAddressBook</a:t>
             </a:r>
             <a:endParaRPr lang="en-SG" sz="1600" dirty="0">
               <a:solidFill>
@@ -4529,7 +4540,7 @@
         </p:nvSpPr>
         <p:spPr>
           <a:xfrm>
-            <a:off x="8215691" y="4073219"/>
+            <a:off x="8514207" y="3182840"/>
             <a:ext cx="129933" cy="398562"/>
           </a:xfrm>
           <a:prstGeom prst="rect">
@@ -4576,7 +4587,7 @@
         </p:nvSpPr>
         <p:spPr>
           <a:xfrm>
-            <a:off x="2426276" y="2796172"/>
+            <a:off x="2724792" y="1905793"/>
             <a:ext cx="220343" cy="215444"/>
           </a:xfrm>
           <a:prstGeom prst="rect">
@@ -4616,7 +4627,7 @@
         </p:nvSpPr>
         <p:spPr>
           <a:xfrm>
-            <a:off x="6251249" y="3252579"/>
+            <a:off x="6549765" y="2362200"/>
             <a:ext cx="841636" cy="300180"/>
           </a:xfrm>
           <a:prstGeom prst="rect">
@@ -4677,7 +4688,7 @@
         </p:nvCxnSpPr>
         <p:spPr>
           <a:xfrm flipH="1">
-            <a:off x="6687975" y="3543685"/>
+            <a:off x="6986491" y="2653306"/>
             <a:ext cx="3959" cy="1735710"/>
           </a:xfrm>
           <a:prstGeom prst="line">
@@ -4714,7 +4725,7 @@
         </p:nvSpPr>
         <p:spPr>
           <a:xfrm>
-            <a:off x="6589011" y="3848485"/>
+            <a:off x="6887527" y="2958106"/>
             <a:ext cx="168896" cy="775693"/>
           </a:xfrm>
           <a:prstGeom prst="rect">
@@ -4763,7 +4774,7 @@
         </p:nvCxnSpPr>
         <p:spPr>
           <a:xfrm>
-            <a:off x="5387239" y="3865723"/>
+            <a:off x="5685755" y="2975344"/>
             <a:ext cx="1210345" cy="0"/>
           </a:xfrm>
           <a:prstGeom prst="straightConnector1">
@@ -4799,7 +4810,7 @@
         </p:nvSpPr>
         <p:spPr>
           <a:xfrm>
-            <a:off x="5174364" y="5148590"/>
+            <a:off x="5472880" y="4258211"/>
             <a:ext cx="258404" cy="261610"/>
           </a:xfrm>
           <a:prstGeom prst="rect">
@@ -4832,7 +4843,7 @@
         </p:nvSpPr>
         <p:spPr>
           <a:xfrm>
-            <a:off x="4737460" y="2150647"/>
+            <a:off x="5035976" y="1260268"/>
             <a:ext cx="1093635" cy="461538"/>
           </a:xfrm>
           <a:prstGeom prst="rect">
@@ -4903,7 +4914,7 @@
           <p:cNvPr id="66" name="Straight Arrow Connector 65">
             <a:extLst>
               <a:ext uri="{FF2B5EF4-FFF2-40B4-BE49-F238E27FC236}">
-                <a16:creationId xmlns:a16="http://schemas.microsoft.com/office/drawing/2014/main" xmlns="" id="{39916E2E-195A-4DC8-B025-B05FA87E6796}"/>
+                <a16:creationId xmlns:a16="http://schemas.microsoft.com/office/drawing/2014/main" id="{39916E2E-195A-4DC8-B025-B05FA87E6796}"/>
               </a:ext>
             </a:extLst>
           </p:cNvPr>
@@ -4914,7 +4925,7 @@
         </p:nvCxnSpPr>
         <p:spPr>
           <a:xfrm>
-            <a:off x="1392835" y="3621693"/>
+            <a:off x="1691351" y="2731314"/>
             <a:ext cx="3832164" cy="1"/>
           </a:xfrm>
           <a:prstGeom prst="straightConnector1">
@@ -4947,7 +4958,7 @@
           <p:cNvPr id="67" name="Straight Arrow Connector 66">
             <a:extLst>
               <a:ext uri="{FF2B5EF4-FFF2-40B4-BE49-F238E27FC236}">
-                <a16:creationId xmlns:a16="http://schemas.microsoft.com/office/drawing/2014/main" xmlns="" id="{D881596E-177C-4FDC-8E60-CAB90B3D5FAB}"/>
+                <a16:creationId xmlns:a16="http://schemas.microsoft.com/office/drawing/2014/main" id="{D881596E-177C-4FDC-8E60-CAB90B3D5FAB}"/>
               </a:ext>
             </a:extLst>
           </p:cNvPr>
@@ -4958,7 +4969,7 @@
         </p:nvCxnSpPr>
         <p:spPr>
           <a:xfrm>
-            <a:off x="1409729" y="2254297"/>
+            <a:off x="1708245" y="1363918"/>
             <a:ext cx="2256705" cy="1"/>
           </a:xfrm>
           <a:prstGeom prst="straightConnector1">
@@ -4991,7 +5002,7 @@
           <p:cNvPr id="69" name="Straight Arrow Connector 68">
             <a:extLst>
               <a:ext uri="{FF2B5EF4-FFF2-40B4-BE49-F238E27FC236}">
-                <a16:creationId xmlns:a16="http://schemas.microsoft.com/office/drawing/2014/main" xmlns="" id="{7C9F21BC-13A9-471F-825A-2621FD36355F}"/>
+                <a16:creationId xmlns:a16="http://schemas.microsoft.com/office/drawing/2014/main" id="{7C9F21BC-13A9-471F-825A-2621FD36355F}"/>
               </a:ext>
             </a:extLst>
           </p:cNvPr>
@@ -5002,7 +5013,7 @@
         </p:nvCxnSpPr>
         <p:spPr>
           <a:xfrm>
-            <a:off x="1393482" y="4926841"/>
+            <a:off x="1691998" y="4036462"/>
             <a:ext cx="3831517" cy="0"/>
           </a:xfrm>
           <a:prstGeom prst="straightConnector1">
@@ -5037,7 +5048,7 @@
           <p:cNvPr id="88" name="TextBox 87">
             <a:extLst>
               <a:ext uri="{FF2B5EF4-FFF2-40B4-BE49-F238E27FC236}">
-                <a16:creationId xmlns:a16="http://schemas.microsoft.com/office/drawing/2014/main" xmlns="" id="{B85C6184-7378-4E89-A338-72B1E5056F4F}"/>
+                <a16:creationId xmlns:a16="http://schemas.microsoft.com/office/drawing/2014/main" id="{B85C6184-7378-4E89-A338-72B1E5056F4F}"/>
               </a:ext>
             </a:extLst>
           </p:cNvPr>
@@ -5046,7 +5057,7 @@
         </p:nvSpPr>
         <p:spPr>
           <a:xfrm>
-            <a:off x="8471014" y="4157716"/>
+            <a:off x="8769530" y="3267337"/>
             <a:ext cx="2120786" cy="184666"/>
           </a:xfrm>
           <a:prstGeom prst="rect">
@@ -5072,7 +5083,7 @@
           </a:lstStyle>
           <a:p>
             <a:r>
-              <a:rPr lang="en-US" sz="1200" dirty="0" err="1" smtClean="0">
+              <a:rPr lang="en-US" sz="1200" dirty="0" err="1">
                 <a:solidFill>
                   <a:srgbClr val="7030A0"/>
                 </a:solidFill>
@@ -5080,7 +5091,7 @@
               <a:t>resetData</a:t>
             </a:r>
             <a:r>
-              <a:rPr lang="en-US" sz="1200" dirty="0" smtClean="0">
+              <a:rPr lang="en-US" sz="1200" dirty="0">
                 <a:solidFill>
                   <a:srgbClr val="7030A0"/>
                 </a:solidFill>
@@ -5088,15 +5099,15 @@
               <a:t>(</a:t>
             </a:r>
             <a:r>
-              <a:rPr lang="en-US" sz="1200" dirty="0" err="1" smtClean="0">
+              <a:rPr lang="en-US" sz="1200" dirty="0" err="1">
                 <a:solidFill>
                   <a:srgbClr val="7030A0"/>
                 </a:solidFill>
               </a:rPr>
-              <a:t>ReadOnlyTutorHelper</a:t>
-            </a:r>
-            <a:r>
-              <a:rPr lang="en-US" sz="1200" dirty="0" smtClean="0">
+              <a:t>ReadOnlyAddressBook</a:t>
+            </a:r>
+            <a:r>
+              <a:rPr lang="en-US" sz="1200" dirty="0">
                 <a:solidFill>
                   <a:srgbClr val="7030A0"/>
                 </a:solidFill>
@@ -5112,7 +5123,7 @@
           <p:cNvPr id="89" name="Straight Connector 88">
             <a:extLst>
               <a:ext uri="{FF2B5EF4-FFF2-40B4-BE49-F238E27FC236}">
-                <a16:creationId xmlns:a16="http://schemas.microsoft.com/office/drawing/2014/main" xmlns="" id="{E4E1C8CA-49DF-45D8-80A5-D5C8282EE927}"/>
+                <a16:creationId xmlns:a16="http://schemas.microsoft.com/office/drawing/2014/main" id="{E4E1C8CA-49DF-45D8-80A5-D5C8282EE927}"/>
               </a:ext>
             </a:extLst>
           </p:cNvPr>
@@ -5123,7 +5134,7 @@
         </p:nvCxnSpPr>
         <p:spPr>
           <a:xfrm>
-            <a:off x="8289527" y="3761734"/>
+            <a:off x="8588043" y="2871355"/>
             <a:ext cx="17996" cy="1467648"/>
           </a:xfrm>
           <a:prstGeom prst="line">
@@ -5160,7 +5171,7 @@
         </p:nvSpPr>
         <p:spPr>
           <a:xfrm>
-            <a:off x="7369175" y="3865723"/>
+            <a:off x="7667691" y="2975344"/>
             <a:ext cx="551687" cy="184666"/>
           </a:xfrm>
           <a:prstGeom prst="rect">
@@ -5217,7 +5228,7 @@
         </p:nvCxnSpPr>
         <p:spPr>
           <a:xfrm rot="16200000" flipH="1">
-            <a:off x="8229062" y="4110958"/>
+            <a:off x="8527578" y="3220579"/>
             <a:ext cx="156923" cy="76200"/>
           </a:xfrm>
           <a:prstGeom prst="curvedConnector4">
@@ -5258,7 +5269,7 @@
         </p:nvCxnSpPr>
         <p:spPr>
           <a:xfrm>
-            <a:off x="6745475" y="4073218"/>
+            <a:off x="7043991" y="3182839"/>
             <a:ext cx="1470216" cy="0"/>
           </a:xfrm>
           <a:prstGeom prst="straightConnector1">
@@ -5291,7 +5302,7 @@
           <p:cNvPr id="60" name="Straight Arrow Connector 59">
             <a:extLst>
               <a:ext uri="{FF2B5EF4-FFF2-40B4-BE49-F238E27FC236}">
-                <a16:creationId xmlns:a16="http://schemas.microsoft.com/office/drawing/2014/main" xmlns="" id="{7C9F21BC-13A9-471F-825A-2621FD36355F}"/>
+                <a16:creationId xmlns:a16="http://schemas.microsoft.com/office/drawing/2014/main" id="{7C9F21BC-13A9-471F-825A-2621FD36355F}"/>
               </a:ext>
             </a:extLst>
           </p:cNvPr>
@@ -5302,7 +5313,7 @@
         </p:nvCxnSpPr>
         <p:spPr>
           <a:xfrm flipV="1">
-            <a:off x="6745475" y="4455293"/>
+            <a:off x="7043991" y="3564914"/>
             <a:ext cx="1470216" cy="6325"/>
           </a:xfrm>
           <a:prstGeom prst="straightConnector1">
@@ -5337,7 +5348,7 @@
           <p:cNvPr id="63" name="Straight Arrow Connector 62">
             <a:extLst>
               <a:ext uri="{FF2B5EF4-FFF2-40B4-BE49-F238E27FC236}">
-                <a16:creationId xmlns:a16="http://schemas.microsoft.com/office/drawing/2014/main" xmlns="" id="{7C9F21BC-13A9-471F-825A-2621FD36355F}"/>
+                <a16:creationId xmlns:a16="http://schemas.microsoft.com/office/drawing/2014/main" id="{7C9F21BC-13A9-471F-825A-2621FD36355F}"/>
               </a:ext>
             </a:extLst>
           </p:cNvPr>
@@ -5349,7 +5360,7 @@
         </p:nvCxnSpPr>
         <p:spPr>
           <a:xfrm>
-            <a:off x="5377403" y="4624178"/>
+            <a:off x="5675919" y="3733799"/>
             <a:ext cx="1296056" cy="0"/>
           </a:xfrm>
           <a:prstGeom prst="straightConnector1">
